--- a/Антиплагиат.pptx
+++ b/Антиплагиат.pptx
@@ -238,7 +238,7 @@
             <a:pPr rtl="0"/>
             <a:fld id="{FE17C1B6-7065-4228-80E4-4566EE4DA277}" type="datetime1">
               <a:rPr lang="ru-RU" smtClean="0"/>
-              <a:t>15.08.2019</a:t>
+              <a:t>18.08.2019</a:t>
             </a:fld>
             <a:endParaRPr lang="ru-RU"/>
           </a:p>
@@ -420,7 +420,7 @@
             <a:pPr rtl="0"/>
             <a:fld id="{764545DA-2D95-4805-BF9F-C8F93D5CFAB0}" type="datetime1">
               <a:rPr lang="ru-RU" noProof="0" smtClean="0"/>
-              <a:t>15.08.2019</a:t>
+              <a:t>18.08.2019</a:t>
             </a:fld>
             <a:endParaRPr lang="ru-RU" noProof="0"/>
           </a:p>
@@ -6840,6 +6840,9 @@
             </a:pPr>
             <a:r>
               <a:rPr lang="ru-RU" sz="2400" dirty="0" err="1">
+                <a:solidFill>
+                  <a:schemeClr val="tx1"/>
+                </a:solidFill>
                 <a:latin typeface="Times New Roman" panose="02020603050405020304" pitchFamily="18" charset="0"/>
                 <a:cs typeface="Times New Roman" panose="02020603050405020304" pitchFamily="18" charset="0"/>
               </a:rPr>
@@ -6847,6 +6850,9 @@
             </a:r>
             <a:r>
               <a:rPr lang="ru-RU" sz="2400" dirty="0">
+                <a:solidFill>
+                  <a:schemeClr val="tx1"/>
+                </a:solidFill>
                 <a:latin typeface="Times New Roman" panose="02020603050405020304" pitchFamily="18" charset="0"/>
                 <a:cs typeface="Times New Roman" panose="02020603050405020304" pitchFamily="18" charset="0"/>
               </a:rPr>
@@ -6854,6 +6860,9 @@
             </a:r>
             <a:r>
               <a:rPr lang="ru-RU" sz="2400" dirty="0" err="1">
+                <a:solidFill>
+                  <a:schemeClr val="tx1"/>
+                </a:solidFill>
                 <a:latin typeface="Times New Roman" panose="02020603050405020304" pitchFamily="18" charset="0"/>
                 <a:cs typeface="Times New Roman" panose="02020603050405020304" pitchFamily="18" charset="0"/>
               </a:rPr>
@@ -6861,6 +6870,9 @@
             </a:r>
             <a:r>
               <a:rPr lang="ru-RU" sz="2400" dirty="0">
+                <a:solidFill>
+                  <a:schemeClr val="tx1"/>
+                </a:solidFill>
                 <a:latin typeface="Times New Roman" panose="02020603050405020304" pitchFamily="18" charset="0"/>
                 <a:cs typeface="Times New Roman" panose="02020603050405020304" pitchFamily="18" charset="0"/>
               </a:rPr>
@@ -6868,6 +6880,9 @@
             </a:r>
             <a:r>
               <a:rPr lang="ru-RU" sz="2400" dirty="0" err="1">
+                <a:solidFill>
+                  <a:schemeClr val="tx1"/>
+                </a:solidFill>
                 <a:latin typeface="Times New Roman" panose="02020603050405020304" pitchFamily="18" charset="0"/>
                 <a:cs typeface="Times New Roman" panose="02020603050405020304" pitchFamily="18" charset="0"/>
               </a:rPr>
@@ -6875,6 +6890,9 @@
             </a:r>
             <a:r>
               <a:rPr lang="ru-RU" sz="2400" dirty="0">
+                <a:solidFill>
+                  <a:schemeClr val="tx1"/>
+                </a:solidFill>
                 <a:latin typeface="Times New Roman" panose="02020603050405020304" pitchFamily="18" charset="0"/>
                 <a:cs typeface="Times New Roman" panose="02020603050405020304" pitchFamily="18" charset="0"/>
               </a:rPr>
@@ -6882,6 +6900,9 @@
             </a:r>
             <a:r>
               <a:rPr lang="ru-RU" sz="2400" dirty="0" err="1">
+                <a:solidFill>
+                  <a:schemeClr val="tx1"/>
+                </a:solidFill>
                 <a:latin typeface="Times New Roman" panose="02020603050405020304" pitchFamily="18" charset="0"/>
                 <a:cs typeface="Times New Roman" panose="02020603050405020304" pitchFamily="18" charset="0"/>
               </a:rPr>
@@ -6889,6 +6910,9 @@
             </a:r>
             <a:r>
               <a:rPr lang="ru-RU" sz="2400" dirty="0">
+                <a:solidFill>
+                  <a:schemeClr val="tx1"/>
+                </a:solidFill>
                 <a:latin typeface="Times New Roman" panose="02020603050405020304" pitchFamily="18" charset="0"/>
                 <a:cs typeface="Times New Roman" panose="02020603050405020304" pitchFamily="18" charset="0"/>
               </a:rPr>
@@ -6896,6 +6920,9 @@
             </a:r>
             <a:r>
               <a:rPr lang="ru-RU" sz="2400" dirty="0" err="1">
+                <a:solidFill>
+                  <a:schemeClr val="tx1"/>
+                </a:solidFill>
                 <a:latin typeface="Times New Roman" panose="02020603050405020304" pitchFamily="18" charset="0"/>
                 <a:cs typeface="Times New Roman" panose="02020603050405020304" pitchFamily="18" charset="0"/>
               </a:rPr>
@@ -6903,6 +6930,9 @@
             </a:r>
             <a:r>
               <a:rPr lang="ru-RU" sz="2400" dirty="0">
+                <a:solidFill>
+                  <a:schemeClr val="tx1"/>
+                </a:solidFill>
                 <a:latin typeface="Times New Roman" panose="02020603050405020304" pitchFamily="18" charset="0"/>
                 <a:cs typeface="Times New Roman" panose="02020603050405020304" pitchFamily="18" charset="0"/>
               </a:rPr>
@@ -6910,6 +6940,9 @@
             </a:r>
             <a:r>
               <a:rPr lang="ru-RU" sz="2400" dirty="0" err="1">
+                <a:solidFill>
+                  <a:schemeClr val="tx1"/>
+                </a:solidFill>
                 <a:latin typeface="Times New Roman" panose="02020603050405020304" pitchFamily="18" charset="0"/>
                 <a:cs typeface="Times New Roman" panose="02020603050405020304" pitchFamily="18" charset="0"/>
               </a:rPr>
@@ -6917,12 +6950,18 @@
             </a:r>
             <a:r>
               <a:rPr lang="ru-RU" sz="2400" dirty="0">
+                <a:solidFill>
+                  <a:schemeClr val="tx1"/>
+                </a:solidFill>
                 <a:latin typeface="Times New Roman" panose="02020603050405020304" pitchFamily="18" charset="0"/>
                 <a:cs typeface="Times New Roman" panose="02020603050405020304" pitchFamily="18" charset="0"/>
               </a:rPr>
               <a:t>. Но это не всегда будет легко, так как часто неясно, где он начинается и заканчивается.</a:t>
             </a:r>
             <a:endParaRPr lang="ru-KZ" sz="2400" dirty="0">
+              <a:solidFill>
+                <a:schemeClr val="tx1"/>
+              </a:solidFill>
               <a:latin typeface="Times New Roman" panose="02020603050405020304" pitchFamily="18" charset="0"/>
               <a:cs typeface="Times New Roman" panose="02020603050405020304" pitchFamily="18" charset="0"/>
             </a:endParaRPr>
@@ -7081,6 +7120,66 @@
           </a:p>
         </p:txBody>
       </p:sp>
+      <p:pic>
+        <p:nvPicPr>
+          <p:cNvPr id="2" name="Рисунок 1">
+            <a:extLst>
+              <a:ext uri="{FF2B5EF4-FFF2-40B4-BE49-F238E27FC236}">
+                <a16:creationId xmlns:a16="http://schemas.microsoft.com/office/drawing/2014/main" id="{A23175DA-C0F9-4F67-9DD6-14F059A52CB7}"/>
+              </a:ext>
+            </a:extLst>
+          </p:cNvPr>
+          <p:cNvPicPr>
+            <a:picLocks noChangeAspect="1"/>
+          </p:cNvPicPr>
+          <p:nvPr/>
+        </p:nvPicPr>
+        <p:blipFill>
+          <a:blip r:embed="rId3"/>
+          <a:stretch>
+            <a:fillRect/>
+          </a:stretch>
+        </p:blipFill>
+        <p:spPr>
+          <a:xfrm rot="21437992">
+            <a:off x="168885" y="55434"/>
+            <a:ext cx="1164437" cy="1170533"/>
+          </a:xfrm>
+          <a:prstGeom prst="rect">
+            <a:avLst/>
+          </a:prstGeom>
+        </p:spPr>
+      </p:pic>
+      <p:pic>
+        <p:nvPicPr>
+          <p:cNvPr id="5" name="Рисунок 4">
+            <a:extLst>
+              <a:ext uri="{FF2B5EF4-FFF2-40B4-BE49-F238E27FC236}">
+                <a16:creationId xmlns:a16="http://schemas.microsoft.com/office/drawing/2014/main" id="{FF8E8C87-3CFD-4220-8311-30F36642C8CD}"/>
+              </a:ext>
+            </a:extLst>
+          </p:cNvPr>
+          <p:cNvPicPr>
+            <a:picLocks noChangeAspect="1"/>
+          </p:cNvPicPr>
+          <p:nvPr/>
+        </p:nvPicPr>
+        <p:blipFill>
+          <a:blip r:embed="rId4"/>
+          <a:stretch>
+            <a:fillRect/>
+          </a:stretch>
+        </p:blipFill>
+        <p:spPr>
+          <a:xfrm>
+            <a:off x="10773327" y="0"/>
+            <a:ext cx="1249788" cy="1249788"/>
+          </a:xfrm>
+          <a:prstGeom prst="rect">
+            <a:avLst/>
+          </a:prstGeom>
+        </p:spPr>
+      </p:pic>
     </p:spTree>
     <p:extLst>
       <p:ext uri="{BB962C8B-B14F-4D97-AF65-F5344CB8AC3E}">
@@ -7346,10 +7445,10 @@
       </p:sp>
       <p:pic>
         <p:nvPicPr>
-          <p:cNvPr id="11" name="Рисунок 10" descr="Подключения">
-            <a:extLst>
-              <a:ext uri="{FF2B5EF4-FFF2-40B4-BE49-F238E27FC236}">
-                <a16:creationId xmlns:a16="http://schemas.microsoft.com/office/drawing/2014/main" id="{2525489D-70E4-4B09-A346-23CD3AF31F66}"/>
+          <p:cNvPr id="5" name="Рисунок 4">
+            <a:extLst>
+              <a:ext uri="{FF2B5EF4-FFF2-40B4-BE49-F238E27FC236}">
+                <a16:creationId xmlns:a16="http://schemas.microsoft.com/office/drawing/2014/main" id="{B93E8576-AE34-470C-9643-D686C4B612CA}"/>
               </a:ext>
             </a:extLst>
           </p:cNvPr>
@@ -7359,21 +7458,15 @@
           <p:nvPr/>
         </p:nvPicPr>
         <p:blipFill>
-          <a:blip r:embed="rId3">
-            <a:extLst>
-              <a:ext uri="{96DAC541-7B7A-43D3-8B79-37D633B846F1}">
-                <asvg:svgBlip xmlns:asvg="http://schemas.microsoft.com/office/drawing/2016/SVG/main" r:embed="rId4"/>
-              </a:ext>
-            </a:extLst>
-          </a:blip>
+          <a:blip r:embed="rId3"/>
           <a:stretch>
             <a:fillRect/>
           </a:stretch>
         </p:blipFill>
         <p:spPr>
-          <a:xfrm rot="20841665">
-            <a:off x="310397" y="284813"/>
-            <a:ext cx="914400" cy="914400"/>
+          <a:xfrm rot="21177370">
+            <a:off x="81774" y="54252"/>
+            <a:ext cx="1225402" cy="1231499"/>
           </a:xfrm>
           <a:prstGeom prst="rect">
             <a:avLst/>
@@ -7382,10 +7475,10 @@
       </p:pic>
       <p:pic>
         <p:nvPicPr>
-          <p:cNvPr id="15" name="Рисунок 14" descr="Голова с шестеренками">
-            <a:extLst>
-              <a:ext uri="{FF2B5EF4-FFF2-40B4-BE49-F238E27FC236}">
-                <a16:creationId xmlns:a16="http://schemas.microsoft.com/office/drawing/2014/main" id="{D359A65C-488C-4422-B236-00759639F504}"/>
+          <p:cNvPr id="10" name="Рисунок 9">
+            <a:extLst>
+              <a:ext uri="{FF2B5EF4-FFF2-40B4-BE49-F238E27FC236}">
+                <a16:creationId xmlns:a16="http://schemas.microsoft.com/office/drawing/2014/main" id="{E903B71C-43FA-4340-8D97-53BC8E07EFF2}"/>
               </a:ext>
             </a:extLst>
           </p:cNvPr>
@@ -7395,21 +7488,15 @@
           <p:nvPr/>
         </p:nvPicPr>
         <p:blipFill>
-          <a:blip r:embed="rId5">
-            <a:extLst>
-              <a:ext uri="{96DAC541-7B7A-43D3-8B79-37D633B846F1}">
-                <asvg:svgBlip xmlns:asvg="http://schemas.microsoft.com/office/drawing/2016/SVG/main" r:embed="rId6"/>
-              </a:ext>
-            </a:extLst>
-          </a:blip>
+          <a:blip r:embed="rId4"/>
           <a:stretch>
             <a:fillRect/>
           </a:stretch>
         </p:blipFill>
         <p:spPr>
-          <a:xfrm rot="1069228">
-            <a:off x="10860243" y="282939"/>
-            <a:ext cx="914400" cy="918148"/>
+          <a:xfrm>
+            <a:off x="10729361" y="274357"/>
+            <a:ext cx="1249788" cy="1249788"/>
           </a:xfrm>
           <a:prstGeom prst="rect">
             <a:avLst/>
@@ -7918,7 +8005,7 @@
         </p:blipFill>
         <p:spPr>
           <a:xfrm>
-            <a:off x="1582560" y="51316"/>
+            <a:off x="1342717" y="92173"/>
             <a:ext cx="9266723" cy="938865"/>
           </a:xfrm>
           <a:prstGeom prst="rect">
@@ -8310,6 +8397,66 @@
           <a:xfrm>
             <a:off x="7353299" y="1152931"/>
             <a:ext cx="4638832" cy="2897075"/>
+          </a:xfrm>
+          <a:prstGeom prst="rect">
+            <a:avLst/>
+          </a:prstGeom>
+        </p:spPr>
+      </p:pic>
+      <p:pic>
+        <p:nvPicPr>
+          <p:cNvPr id="2" name="Рисунок 1">
+            <a:extLst>
+              <a:ext uri="{FF2B5EF4-FFF2-40B4-BE49-F238E27FC236}">
+                <a16:creationId xmlns:a16="http://schemas.microsoft.com/office/drawing/2014/main" id="{F91F3737-E9FD-4298-A9B9-599E1A471E6D}"/>
+              </a:ext>
+            </a:extLst>
+          </p:cNvPr>
+          <p:cNvPicPr>
+            <a:picLocks noChangeAspect="1"/>
+          </p:cNvPicPr>
+          <p:nvPr/>
+        </p:nvPicPr>
+        <p:blipFill>
+          <a:blip r:embed="rId5"/>
+          <a:stretch>
+            <a:fillRect/>
+          </a:stretch>
+        </p:blipFill>
+        <p:spPr>
+          <a:xfrm>
+            <a:off x="117315" y="51316"/>
+            <a:ext cx="1225402" cy="1231499"/>
+          </a:xfrm>
+          <a:prstGeom prst="rect">
+            <a:avLst/>
+          </a:prstGeom>
+        </p:spPr>
+      </p:pic>
+      <p:pic>
+        <p:nvPicPr>
+          <p:cNvPr id="3" name="Рисунок 2">
+            <a:extLst>
+              <a:ext uri="{FF2B5EF4-FFF2-40B4-BE49-F238E27FC236}">
+                <a16:creationId xmlns:a16="http://schemas.microsoft.com/office/drawing/2014/main" id="{7D499889-B633-4FB1-B956-7BD49EE967C9}"/>
+              </a:ext>
+            </a:extLst>
+          </p:cNvPr>
+          <p:cNvPicPr>
+            <a:picLocks noChangeAspect="1"/>
+          </p:cNvPicPr>
+          <p:nvPr/>
+        </p:nvPicPr>
+        <p:blipFill>
+          <a:blip r:embed="rId6"/>
+          <a:stretch>
+            <a:fillRect/>
+          </a:stretch>
+        </p:blipFill>
+        <p:spPr>
+          <a:xfrm>
+            <a:off x="10584091" y="0"/>
+            <a:ext cx="1249788" cy="1249788"/>
           </a:xfrm>
           <a:prstGeom prst="rect">
             <a:avLst/>
@@ -8372,7 +8519,7 @@
         </p:nvSpPr>
         <p:spPr>
           <a:xfrm>
-            <a:off x="599607" y="1424775"/>
+            <a:off x="599607" y="1311801"/>
             <a:ext cx="10024823" cy="434005"/>
           </a:xfrm>
         </p:spPr>
@@ -8424,6 +8571,9 @@
             </a:pPr>
             <a:r>
               <a:rPr lang="ru-RU" sz="2400" dirty="0">
+                <a:solidFill>
+                  <a:schemeClr val="tx1"/>
+                </a:solidFill>
                 <a:latin typeface="Times New Roman" panose="02020603050405020304" pitchFamily="18" charset="0"/>
                 <a:cs typeface="Times New Roman" panose="02020603050405020304" pitchFamily="18" charset="0"/>
               </a:rPr>
@@ -8431,6 +8581,9 @@
             </a:r>
             <a:r>
               <a:rPr lang="ru-RU" sz="2400" dirty="0" err="1">
+                <a:solidFill>
+                  <a:schemeClr val="tx1"/>
+                </a:solidFill>
                 <a:latin typeface="Times New Roman" panose="02020603050405020304" pitchFamily="18" charset="0"/>
                 <a:cs typeface="Times New Roman" panose="02020603050405020304" pitchFamily="18" charset="0"/>
               </a:rPr>
@@ -8438,12 +8591,18 @@
             </a:r>
             <a:r>
               <a:rPr lang="ru-RU" sz="2400" dirty="0">
+                <a:solidFill>
+                  <a:schemeClr val="tx1"/>
+                </a:solidFill>
                 <a:latin typeface="Times New Roman" panose="02020603050405020304" pitchFamily="18" charset="0"/>
                 <a:cs typeface="Times New Roman" panose="02020603050405020304" pitchFamily="18" charset="0"/>
               </a:rPr>
               <a:t> используют поисковые системы для нахождения предложений и фраз, скопированных с других ресурсов. Логично предположить, что те сайты, которые не индексируются в поисковых системах, можно воспроизводить в своих текстах без риска быть уличенным в плагиате. Другое дело, что найти ценную информацию, которая оказалась не проиндексирована поисковиками, можно разве что на закрытых форумах… куда вас или не пустят изначально, или перестанут пускать – после того, как вы опубликуете закрытую информацию в своей статье.</a:t>
             </a:r>
             <a:endParaRPr lang="ru-KZ" sz="2400" dirty="0">
+              <a:solidFill>
+                <a:schemeClr val="tx1"/>
+              </a:solidFill>
               <a:latin typeface="Times New Roman" panose="02020603050405020304" pitchFamily="18" charset="0"/>
               <a:cs typeface="Times New Roman" panose="02020603050405020304" pitchFamily="18" charset="0"/>
             </a:endParaRPr>
@@ -8535,6 +8694,66 @@
           <a:xfrm>
             <a:off x="273878" y="1901947"/>
             <a:ext cx="2952750" cy="3531277"/>
+          </a:xfrm>
+          <a:prstGeom prst="rect">
+            <a:avLst/>
+          </a:prstGeom>
+        </p:spPr>
+      </p:pic>
+      <p:pic>
+        <p:nvPicPr>
+          <p:cNvPr id="2" name="Рисунок 1">
+            <a:extLst>
+              <a:ext uri="{FF2B5EF4-FFF2-40B4-BE49-F238E27FC236}">
+                <a16:creationId xmlns:a16="http://schemas.microsoft.com/office/drawing/2014/main" id="{54637455-3545-439B-8E3F-B97E527F999D}"/>
+              </a:ext>
+            </a:extLst>
+          </p:cNvPr>
+          <p:cNvPicPr>
+            <a:picLocks noChangeAspect="1"/>
+          </p:cNvPicPr>
+          <p:nvPr/>
+        </p:nvPicPr>
+        <p:blipFill>
+          <a:blip r:embed="rId4"/>
+          <a:stretch>
+            <a:fillRect/>
+          </a:stretch>
+        </p:blipFill>
+        <p:spPr>
+          <a:xfrm rot="21105558">
+            <a:off x="81930" y="81462"/>
+            <a:ext cx="1225402" cy="1231499"/>
+          </a:xfrm>
+          <a:prstGeom prst="rect">
+            <a:avLst/>
+          </a:prstGeom>
+        </p:spPr>
+      </p:pic>
+      <p:pic>
+        <p:nvPicPr>
+          <p:cNvPr id="5" name="Рисунок 4">
+            <a:extLst>
+              <a:ext uri="{FF2B5EF4-FFF2-40B4-BE49-F238E27FC236}">
+                <a16:creationId xmlns:a16="http://schemas.microsoft.com/office/drawing/2014/main" id="{C3AA1C07-575B-4D35-AEAE-23A86B868B1A}"/>
+              </a:ext>
+            </a:extLst>
+          </p:cNvPr>
+          <p:cNvPicPr>
+            <a:picLocks noChangeAspect="1"/>
+          </p:cNvPicPr>
+          <p:nvPr/>
+        </p:nvPicPr>
+        <p:blipFill>
+          <a:blip r:embed="rId5"/>
+          <a:stretch>
+            <a:fillRect/>
+          </a:stretch>
+        </p:blipFill>
+        <p:spPr>
+          <a:xfrm>
+            <a:off x="10732350" y="279015"/>
+            <a:ext cx="1249788" cy="1249788"/>
           </a:xfrm>
           <a:prstGeom prst="rect">
             <a:avLst/>
@@ -8673,27 +8892,7 @@
                 <a:latin typeface="Times New Roman" panose="02020603050405020304" pitchFamily="18" charset="0"/>
                 <a:cs typeface="Times New Roman" panose="02020603050405020304" pitchFamily="18" charset="0"/>
               </a:rPr>
-              <a:t>Эпитеты также помогают преобразить исходный текст, делая его красочным и ярким. Но вот для сухого научного труда такой прием вряд ли </a:t>
-            </a:r>
-            <a:r>
-              <a:rPr lang="ru-RU" sz="2400" dirty="0" err="1">
-                <a:solidFill>
-                  <a:schemeClr val="tx1"/>
-                </a:solidFill>
-                <a:latin typeface="Times New Roman" panose="02020603050405020304" pitchFamily="18" charset="0"/>
-                <a:cs typeface="Times New Roman" panose="02020603050405020304" pitchFamily="18" charset="0"/>
-              </a:rPr>
-              <a:t>подойдет.Гораздо</a:t>
-            </a:r>
-            <a:r>
-              <a:rPr lang="ru-RU" sz="2400" dirty="0">
-                <a:solidFill>
-                  <a:schemeClr val="tx1"/>
-                </a:solidFill>
-                <a:latin typeface="Times New Roman" panose="02020603050405020304" pitchFamily="18" charset="0"/>
-                <a:cs typeface="Times New Roman" panose="02020603050405020304" pitchFamily="18" charset="0"/>
-              </a:rPr>
-              <a:t> сложнее будет иметь дело с таблицами и формулами. Тут уж никакие эпитеты и синонимы не помогут.</a:t>
+              <a:t>Эпитеты также помогают преобразить исходный текст, делая его красочным и ярким. Но вот для сухого научного труда такой прием вряд ли подойдет. Гораздо сложнее будет иметь дело с таблицами и формулами. Тут уж никакие эпитеты и синонимы не помогут.</a:t>
             </a:r>
             <a:endParaRPr lang="ru-KZ" sz="2400" dirty="0">
               <a:solidFill>
@@ -8921,6 +9120,66 @@
           </a:p>
         </p:txBody>
       </p:sp>
+      <p:pic>
+        <p:nvPicPr>
+          <p:cNvPr id="2" name="Рисунок 1">
+            <a:extLst>
+              <a:ext uri="{FF2B5EF4-FFF2-40B4-BE49-F238E27FC236}">
+                <a16:creationId xmlns:a16="http://schemas.microsoft.com/office/drawing/2014/main" id="{CDB97D40-8B7A-4C41-B706-F3D0B4FD4136}"/>
+              </a:ext>
+            </a:extLst>
+          </p:cNvPr>
+          <p:cNvPicPr>
+            <a:picLocks noChangeAspect="1"/>
+          </p:cNvPicPr>
+          <p:nvPr/>
+        </p:nvPicPr>
+        <p:blipFill>
+          <a:blip r:embed="rId3"/>
+          <a:stretch>
+            <a:fillRect/>
+          </a:stretch>
+        </p:blipFill>
+        <p:spPr>
+          <a:xfrm rot="21349156">
+            <a:off x="43259" y="43029"/>
+            <a:ext cx="1225402" cy="1231499"/>
+          </a:xfrm>
+          <a:prstGeom prst="rect">
+            <a:avLst/>
+          </a:prstGeom>
+        </p:spPr>
+      </p:pic>
+      <p:pic>
+        <p:nvPicPr>
+          <p:cNvPr id="5" name="Рисунок 4">
+            <a:extLst>
+              <a:ext uri="{FF2B5EF4-FFF2-40B4-BE49-F238E27FC236}">
+                <a16:creationId xmlns:a16="http://schemas.microsoft.com/office/drawing/2014/main" id="{13954B22-6F67-4FF1-B24D-9B7037F7668A}"/>
+              </a:ext>
+            </a:extLst>
+          </p:cNvPr>
+          <p:cNvPicPr>
+            <a:picLocks noChangeAspect="1"/>
+          </p:cNvPicPr>
+          <p:nvPr/>
+        </p:nvPicPr>
+        <p:blipFill>
+          <a:blip r:embed="rId4"/>
+          <a:stretch>
+            <a:fillRect/>
+          </a:stretch>
+        </p:blipFill>
+        <p:spPr>
+          <a:xfrm>
+            <a:off x="10924234" y="190031"/>
+            <a:ext cx="1249788" cy="1249788"/>
+          </a:xfrm>
+          <a:prstGeom prst="rect">
+            <a:avLst/>
+          </a:prstGeom>
+        </p:spPr>
+      </p:pic>
     </p:spTree>
     <p:extLst>
       <p:ext uri="{BB962C8B-B14F-4D97-AF65-F5344CB8AC3E}">
@@ -8977,7 +9236,7 @@
         </p:nvSpPr>
         <p:spPr>
           <a:xfrm>
-            <a:off x="360000" y="1269780"/>
+            <a:off x="360000" y="1320992"/>
             <a:ext cx="6992937" cy="360362"/>
           </a:xfrm>
         </p:spPr>
@@ -9107,7 +9366,7 @@
         </p:blipFill>
         <p:spPr>
           <a:xfrm>
-            <a:off x="1660758" y="121884"/>
+            <a:off x="1343838" y="142620"/>
             <a:ext cx="9266723" cy="938865"/>
           </a:xfrm>
           <a:prstGeom prst="rect">
@@ -9215,6 +9474,66 @@
           </a:p>
         </p:txBody>
       </p:sp>
+      <p:pic>
+        <p:nvPicPr>
+          <p:cNvPr id="8" name="Рисунок 7">
+            <a:extLst>
+              <a:ext uri="{FF2B5EF4-FFF2-40B4-BE49-F238E27FC236}">
+                <a16:creationId xmlns:a16="http://schemas.microsoft.com/office/drawing/2014/main" id="{6199B5C9-65B4-400F-B85D-F1B494819FEE}"/>
+              </a:ext>
+            </a:extLst>
+          </p:cNvPr>
+          <p:cNvPicPr>
+            <a:picLocks noChangeAspect="1"/>
+          </p:cNvPicPr>
+          <p:nvPr/>
+        </p:nvPicPr>
+        <p:blipFill>
+          <a:blip r:embed="rId3"/>
+          <a:stretch>
+            <a:fillRect/>
+          </a:stretch>
+        </p:blipFill>
+        <p:spPr>
+          <a:xfrm rot="21018086">
+            <a:off x="94975" y="91027"/>
+            <a:ext cx="1225402" cy="1231499"/>
+          </a:xfrm>
+          <a:prstGeom prst="rect">
+            <a:avLst/>
+          </a:prstGeom>
+        </p:spPr>
+      </p:pic>
+      <p:pic>
+        <p:nvPicPr>
+          <p:cNvPr id="9" name="Рисунок 8">
+            <a:extLst>
+              <a:ext uri="{FF2B5EF4-FFF2-40B4-BE49-F238E27FC236}">
+                <a16:creationId xmlns:a16="http://schemas.microsoft.com/office/drawing/2014/main" id="{579FEA4C-845B-4B3A-8474-2859776BDED0}"/>
+              </a:ext>
+            </a:extLst>
+          </p:cNvPr>
+          <p:cNvPicPr>
+            <a:picLocks noChangeAspect="1"/>
+          </p:cNvPicPr>
+          <p:nvPr/>
+        </p:nvPicPr>
+        <p:blipFill>
+          <a:blip r:embed="rId4"/>
+          <a:stretch>
+            <a:fillRect/>
+          </a:stretch>
+        </p:blipFill>
+        <p:spPr>
+          <a:xfrm>
+            <a:off x="10762800" y="167157"/>
+            <a:ext cx="1249788" cy="1249788"/>
+          </a:xfrm>
+          <a:prstGeom prst="rect">
+            <a:avLst/>
+          </a:prstGeom>
+        </p:spPr>
+      </p:pic>
     </p:spTree>
     <p:extLst>
       <p:ext uri="{BB962C8B-B14F-4D97-AF65-F5344CB8AC3E}">
@@ -9491,6 +9810,66 @@
           <a:solidFill>
             <a:srgbClr val="CCFF33"/>
           </a:solidFill>
+        </p:spPr>
+      </p:pic>
+      <p:pic>
+        <p:nvPicPr>
+          <p:cNvPr id="5" name="Рисунок 4">
+            <a:extLst>
+              <a:ext uri="{FF2B5EF4-FFF2-40B4-BE49-F238E27FC236}">
+                <a16:creationId xmlns:a16="http://schemas.microsoft.com/office/drawing/2014/main" id="{D1B7B225-8059-4999-84F9-F3851C5A2A94}"/>
+              </a:ext>
+            </a:extLst>
+          </p:cNvPr>
+          <p:cNvPicPr>
+            <a:picLocks noChangeAspect="1"/>
+          </p:cNvPicPr>
+          <p:nvPr/>
+        </p:nvPicPr>
+        <p:blipFill>
+          <a:blip r:embed="rId3"/>
+          <a:stretch>
+            <a:fillRect/>
+          </a:stretch>
+        </p:blipFill>
+        <p:spPr>
+          <a:xfrm rot="20877429">
+            <a:off x="70031" y="175079"/>
+            <a:ext cx="1225402" cy="1231499"/>
+          </a:xfrm>
+          <a:prstGeom prst="rect">
+            <a:avLst/>
+          </a:prstGeom>
+        </p:spPr>
+      </p:pic>
+      <p:pic>
+        <p:nvPicPr>
+          <p:cNvPr id="7" name="Рисунок 6">
+            <a:extLst>
+              <a:ext uri="{FF2B5EF4-FFF2-40B4-BE49-F238E27FC236}">
+                <a16:creationId xmlns:a16="http://schemas.microsoft.com/office/drawing/2014/main" id="{6497BEFF-C4B2-44C6-98A2-49B349799C4B}"/>
+              </a:ext>
+            </a:extLst>
+          </p:cNvPr>
+          <p:cNvPicPr>
+            <a:picLocks noChangeAspect="1"/>
+          </p:cNvPicPr>
+          <p:nvPr/>
+        </p:nvPicPr>
+        <p:blipFill>
+          <a:blip r:embed="rId4"/>
+          <a:stretch>
+            <a:fillRect/>
+          </a:stretch>
+        </p:blipFill>
+        <p:spPr>
+          <a:xfrm>
+            <a:off x="10781580" y="271075"/>
+            <a:ext cx="1249788" cy="1249788"/>
+          </a:xfrm>
+          <a:prstGeom prst="rect">
+            <a:avLst/>
+          </a:prstGeom>
         </p:spPr>
       </p:pic>
     </p:spTree>
@@ -9623,7 +10002,7 @@
         </p:blipFill>
         <p:spPr>
           <a:xfrm>
-            <a:off x="1621433" y="121884"/>
+            <a:off x="1233505" y="225228"/>
             <a:ext cx="9278916" cy="938865"/>
           </a:xfrm>
           <a:prstGeom prst="rect">
@@ -9698,6 +10077,66 @@
           </a:p>
         </p:txBody>
       </p:sp>
+      <p:pic>
+        <p:nvPicPr>
+          <p:cNvPr id="2" name="Рисунок 1">
+            <a:extLst>
+              <a:ext uri="{FF2B5EF4-FFF2-40B4-BE49-F238E27FC236}">
+                <a16:creationId xmlns:a16="http://schemas.microsoft.com/office/drawing/2014/main" id="{A3A397DE-570B-43BD-88EC-7894C1803B25}"/>
+              </a:ext>
+            </a:extLst>
+          </p:cNvPr>
+          <p:cNvPicPr>
+            <a:picLocks noChangeAspect="1"/>
+          </p:cNvPicPr>
+          <p:nvPr/>
+        </p:nvPicPr>
+        <p:blipFill>
+          <a:blip r:embed="rId4"/>
+          <a:stretch>
+            <a:fillRect/>
+          </a:stretch>
+        </p:blipFill>
+        <p:spPr>
+          <a:xfrm rot="20940311">
+            <a:off x="106189" y="105552"/>
+            <a:ext cx="1225402" cy="1231499"/>
+          </a:xfrm>
+          <a:prstGeom prst="rect">
+            <a:avLst/>
+          </a:prstGeom>
+        </p:spPr>
+      </p:pic>
+      <p:pic>
+        <p:nvPicPr>
+          <p:cNvPr id="4" name="Рисунок 3">
+            <a:extLst>
+              <a:ext uri="{FF2B5EF4-FFF2-40B4-BE49-F238E27FC236}">
+                <a16:creationId xmlns:a16="http://schemas.microsoft.com/office/drawing/2014/main" id="{2311AD92-342D-4C33-8BA8-737EB9DF9992}"/>
+              </a:ext>
+            </a:extLst>
+          </p:cNvPr>
+          <p:cNvPicPr>
+            <a:picLocks noChangeAspect="1"/>
+          </p:cNvPicPr>
+          <p:nvPr/>
+        </p:nvPicPr>
+        <p:blipFill>
+          <a:blip r:embed="rId5"/>
+          <a:stretch>
+            <a:fillRect/>
+          </a:stretch>
+        </p:blipFill>
+        <p:spPr>
+          <a:xfrm>
+            <a:off x="10581849" y="225228"/>
+            <a:ext cx="1249788" cy="1249788"/>
+          </a:xfrm>
+          <a:prstGeom prst="rect">
+            <a:avLst/>
+          </a:prstGeom>
+        </p:spPr>
+      </p:pic>
     </p:spTree>
     <p:extLst>
       <p:ext uri="{BB962C8B-B14F-4D97-AF65-F5344CB8AC3E}">
@@ -9901,6 +10340,66 @@
           </a:p>
         </p:txBody>
       </p:sp>
+      <p:pic>
+        <p:nvPicPr>
+          <p:cNvPr id="2" name="Рисунок 1">
+            <a:extLst>
+              <a:ext uri="{FF2B5EF4-FFF2-40B4-BE49-F238E27FC236}">
+                <a16:creationId xmlns:a16="http://schemas.microsoft.com/office/drawing/2014/main" id="{29DD299E-6E8C-4143-8555-C82840A8A797}"/>
+              </a:ext>
+            </a:extLst>
+          </p:cNvPr>
+          <p:cNvPicPr>
+            <a:picLocks noChangeAspect="1"/>
+          </p:cNvPicPr>
+          <p:nvPr/>
+        </p:nvPicPr>
+        <p:blipFill>
+          <a:blip r:embed="rId3"/>
+          <a:stretch>
+            <a:fillRect/>
+          </a:stretch>
+        </p:blipFill>
+        <p:spPr>
+          <a:xfrm rot="21157693">
+            <a:off x="73940" y="91128"/>
+            <a:ext cx="1225402" cy="1231499"/>
+          </a:xfrm>
+          <a:prstGeom prst="rect">
+            <a:avLst/>
+          </a:prstGeom>
+        </p:spPr>
+      </p:pic>
+      <p:pic>
+        <p:nvPicPr>
+          <p:cNvPr id="3" name="Рисунок 2">
+            <a:extLst>
+              <a:ext uri="{FF2B5EF4-FFF2-40B4-BE49-F238E27FC236}">
+                <a16:creationId xmlns:a16="http://schemas.microsoft.com/office/drawing/2014/main" id="{02F980E6-4F32-4CB7-B100-550E152EC194}"/>
+              </a:ext>
+            </a:extLst>
+          </p:cNvPr>
+          <p:cNvPicPr>
+            <a:picLocks noChangeAspect="1"/>
+          </p:cNvPicPr>
+          <p:nvPr/>
+        </p:nvPicPr>
+        <p:blipFill>
+          <a:blip r:embed="rId4"/>
+          <a:stretch>
+            <a:fillRect/>
+          </a:stretch>
+        </p:blipFill>
+        <p:spPr>
+          <a:xfrm>
+            <a:off x="10650321" y="268136"/>
+            <a:ext cx="1249788" cy="1249788"/>
+          </a:xfrm>
+          <a:prstGeom prst="rect">
+            <a:avLst/>
+          </a:prstGeom>
+        </p:spPr>
+      </p:pic>
     </p:spTree>
     <p:extLst>
       <p:ext uri="{BB962C8B-B14F-4D97-AF65-F5344CB8AC3E}">
@@ -9957,7 +10456,7 @@
         </p:nvSpPr>
         <p:spPr>
           <a:xfrm>
-            <a:off x="360000" y="2814454"/>
+            <a:off x="360000" y="2057110"/>
             <a:ext cx="6992937" cy="873491"/>
           </a:xfrm>
         </p:spPr>
@@ -9967,6 +10466,9 @@
           <a:p>
             <a:r>
               <a:rPr lang="ru-RU" sz="2400" noProof="1">
+                <a:solidFill>
+                  <a:schemeClr val="tx1"/>
+                </a:solidFill>
                 <a:latin typeface="Times New Roman" panose="02020603050405020304" pitchFamily="18" charset="0"/>
                 <a:cs typeface="Times New Roman" panose="02020603050405020304" pitchFamily="18" charset="0"/>
               </a:rPr>
@@ -10102,8 +10604,8 @@
         </p:nvSpPr>
         <p:spPr bwMode="auto">
           <a:xfrm>
-            <a:off x="360000" y="934506"/>
-            <a:ext cx="6993300" cy="540000"/>
+            <a:off x="360000" y="773620"/>
+            <a:ext cx="5736000" cy="861774"/>
           </a:xfrm>
           <a:prstGeom prst="rect">
             <a:avLst/>
@@ -10143,7 +10645,7 @@
           </a:extLst>
         </p:spPr>
         <p:txBody>
-          <a:bodyPr vert="horz" wrap="none" lIns="91440" tIns="45720" rIns="91440" bIns="45720" numCol="1" anchor="ctr" anchorCtr="0" compatLnSpc="1">
+          <a:bodyPr vert="horz" wrap="square" lIns="91440" tIns="45720" rIns="91440" bIns="45720" numCol="1" anchor="ctr" anchorCtr="0" compatLnSpc="1">
             <a:prstTxWarp prst="textNoShape">
               <a:avLst/>
             </a:prstTxWarp>
@@ -10173,10 +10675,11 @@
                   <a:noFill/>
                 </a:ln>
                 <a:solidFill>
-                  <a:srgbClr val="333333"/>
+                  <a:schemeClr val="tx1"/>
                 </a:solidFill>
                 <a:effectLst/>
-                <a:latin typeface="Open Sans"/>
+                <a:latin typeface="Times New Roman" panose="02020603050405020304" pitchFamily="18" charset="0"/>
+                <a:cs typeface="Times New Roman" panose="02020603050405020304" pitchFamily="18" charset="0"/>
               </a:rPr>
               <a:t>Что такое антиплагиат?</a:t>
             </a:r>
@@ -10302,7 +10805,7 @@
         </p:blipFill>
         <p:spPr>
           <a:xfrm>
-            <a:off x="1576463" y="376717"/>
+            <a:off x="1285517" y="282123"/>
             <a:ext cx="9278916" cy="938865"/>
           </a:xfrm>
           <a:prstGeom prst="rect">
@@ -10675,6 +11178,66 @@
           </a:p>
         </p:txBody>
       </p:sp>
+      <p:pic>
+        <p:nvPicPr>
+          <p:cNvPr id="2" name="Рисунок 1">
+            <a:extLst>
+              <a:ext uri="{FF2B5EF4-FFF2-40B4-BE49-F238E27FC236}">
+                <a16:creationId xmlns:a16="http://schemas.microsoft.com/office/drawing/2014/main" id="{09963C13-93B1-4877-8714-8F84946404C4}"/>
+              </a:ext>
+            </a:extLst>
+          </p:cNvPr>
+          <p:cNvPicPr>
+            <a:picLocks noChangeAspect="1"/>
+          </p:cNvPicPr>
+          <p:nvPr/>
+        </p:nvPicPr>
+        <p:blipFill>
+          <a:blip r:embed="rId3"/>
+          <a:stretch>
+            <a:fillRect/>
+          </a:stretch>
+        </p:blipFill>
+        <p:spPr>
+          <a:xfrm rot="20963112">
+            <a:off x="102940" y="135807"/>
+            <a:ext cx="1225402" cy="1231499"/>
+          </a:xfrm>
+          <a:prstGeom prst="rect">
+            <a:avLst/>
+          </a:prstGeom>
+        </p:spPr>
+      </p:pic>
+      <p:pic>
+        <p:nvPicPr>
+          <p:cNvPr id="3" name="Рисунок 2">
+            <a:extLst>
+              <a:ext uri="{FF2B5EF4-FFF2-40B4-BE49-F238E27FC236}">
+                <a16:creationId xmlns:a16="http://schemas.microsoft.com/office/drawing/2014/main" id="{F4C4028F-9354-4407-AE54-27ACAB906075}"/>
+              </a:ext>
+            </a:extLst>
+          </p:cNvPr>
+          <p:cNvPicPr>
+            <a:picLocks noChangeAspect="1"/>
+          </p:cNvPicPr>
+          <p:nvPr/>
+        </p:nvPicPr>
+        <p:blipFill>
+          <a:blip r:embed="rId4"/>
+          <a:stretch>
+            <a:fillRect/>
+          </a:stretch>
+        </p:blipFill>
+        <p:spPr>
+          <a:xfrm>
+            <a:off x="10643412" y="219844"/>
+            <a:ext cx="1249788" cy="1249788"/>
+          </a:xfrm>
+          <a:prstGeom prst="rect">
+            <a:avLst/>
+          </a:prstGeom>
+        </p:spPr>
+      </p:pic>
     </p:spTree>
     <p:extLst>
       <p:ext uri="{BB962C8B-B14F-4D97-AF65-F5344CB8AC3E}">
@@ -11858,7 +12421,7 @@
         </p:nvSpPr>
         <p:spPr>
           <a:xfrm>
-            <a:off x="351285" y="1207526"/>
+            <a:off x="296304" y="1207526"/>
             <a:ext cx="7102898" cy="1063603"/>
           </a:xfrm>
         </p:spPr>
@@ -12001,7 +12564,7 @@
         </p:nvSpPr>
         <p:spPr>
           <a:xfrm>
-            <a:off x="2415609" y="244785"/>
+            <a:off x="2041990" y="236198"/>
             <a:ext cx="7841891" cy="540000"/>
           </a:xfrm>
         </p:spPr>
@@ -12010,13 +12573,13 @@
           <a:lstStyle/>
           <a:p>
             <a:r>
-              <a:rPr lang="kk-KZ" dirty="0">
+              <a:rPr lang="kk-KZ" sz="3600" dirty="0">
                 <a:latin typeface="Times New Roman" panose="02020603050405020304" pitchFamily="18" charset="0"/>
                 <a:cs typeface="Times New Roman" panose="02020603050405020304" pitchFamily="18" charset="0"/>
               </a:rPr>
               <a:t>Принципы работы систем антиплагиата</a:t>
             </a:r>
-            <a:endParaRPr lang="ru-KZ" dirty="0">
+            <a:endParaRPr lang="ru-KZ" sz="3600" dirty="0">
               <a:latin typeface="Times New Roman" panose="02020603050405020304" pitchFamily="18" charset="0"/>
               <a:cs typeface="Times New Roman" panose="02020603050405020304" pitchFamily="18" charset="0"/>
             </a:endParaRPr>
@@ -12126,7 +12689,7 @@
                 <a:latin typeface="Times New Roman" panose="02020603050405020304" pitchFamily="18" charset="0"/>
                 <a:cs typeface="Times New Roman" panose="02020603050405020304" pitchFamily="18" charset="0"/>
               </a:rPr>
-              <a:t>поисковые системы сети Интернет. Не предназначены для поиска заимствований, но:</a:t>
+              <a:t>Поисковые системы сети Интернет. Не предназначены для поиска заимствований, но:</a:t>
             </a:r>
             <a:endParaRPr lang="en-US" sz="2000" dirty="0">
               <a:latin typeface="Times New Roman" panose="02020603050405020304" pitchFamily="18" charset="0"/>
@@ -12185,7 +12748,7 @@
         </p:nvSpPr>
         <p:spPr>
           <a:xfrm>
-            <a:off x="4622021" y="1969019"/>
+            <a:off x="4626859" y="1969019"/>
             <a:ext cx="3695193" cy="3170099"/>
           </a:xfrm>
           <a:prstGeom prst="rect">
@@ -12203,7 +12766,7 @@
                 <a:latin typeface="Times New Roman" panose="02020603050405020304" pitchFamily="18" charset="0"/>
                 <a:cs typeface="Times New Roman" panose="02020603050405020304" pitchFamily="18" charset="0"/>
               </a:rPr>
-              <a:t>метапоисковые</a:t>
+              <a:t>Метапоисковые</a:t>
             </a:r>
             <a:r>
               <a:rPr lang="ru-RU" sz="2000" dirty="0">
@@ -12247,7 +12810,7 @@
                 <a:latin typeface="Times New Roman" panose="02020603050405020304" pitchFamily="18" charset="0"/>
                 <a:cs typeface="Times New Roman" panose="02020603050405020304" pitchFamily="18" charset="0"/>
               </a:rPr>
-              <a:t>специализированные системы антиплагиата с собственными алгоритмами поиска совпадений и собственными базами документов.</a:t>
+              <a:t>Специализированные системы антиплагиата с собственными алгоритмами поиска совпадений и собственными базами документов.</a:t>
             </a:r>
           </a:p>
         </p:txBody>
@@ -12585,7 +13148,7 @@
         <p:spPr>
           <a:xfrm>
             <a:off x="3852472" y="131320"/>
-            <a:ext cx="7948180" cy="3370153"/>
+            <a:ext cx="7948180" cy="3647152"/>
           </a:xfrm>
           <a:prstGeom prst="rect">
             <a:avLst/>
@@ -12598,51 +13161,64 @@
           <a:lstStyle/>
           <a:p>
             <a:r>
-              <a:rPr lang="ru-RU" sz="2400" b="1" dirty="0">
+              <a:rPr lang="ru-RU" sz="2000" b="1" dirty="0">
                 <a:latin typeface="Times New Roman" panose="02020603050405020304" pitchFamily="18" charset="0"/>
                 <a:cs typeface="Times New Roman" panose="02020603050405020304" pitchFamily="18" charset="0"/>
               </a:rPr>
               <a:t>Проблемы</a:t>
             </a:r>
             <a:r>
-              <a:rPr lang="ru-RU" dirty="0"/>
+              <a:rPr lang="ru-RU" sz="2000" dirty="0">
+                <a:latin typeface="Times New Roman" panose="02020603050405020304" pitchFamily="18" charset="0"/>
+                <a:cs typeface="Times New Roman" panose="02020603050405020304" pitchFamily="18" charset="0"/>
+              </a:rPr>
               <a:t> </a:t>
             </a:r>
             <a:r>
-              <a:rPr lang="ru-RU" sz="2100" b="1" dirty="0" err="1">
+              <a:rPr lang="ru-RU" sz="2000" b="1" dirty="0" err="1">
                 <a:latin typeface="Times New Roman" panose="02020603050405020304" pitchFamily="18" charset="0"/>
                 <a:cs typeface="Times New Roman" panose="02020603050405020304" pitchFamily="18" charset="0"/>
               </a:rPr>
               <a:t>пассажений</a:t>
             </a:r>
             <a:r>
+              <a:rPr lang="ru-RU" sz="2000" b="1" dirty="0">
+                <a:latin typeface="Times New Roman" panose="02020603050405020304" pitchFamily="18" charset="0"/>
+                <a:cs typeface="Times New Roman" panose="02020603050405020304" pitchFamily="18" charset="0"/>
+              </a:rPr>
+              <a:t> и </a:t>
+            </a:r>
+            <a:r>
+              <a:rPr lang="ru-RU" sz="2000" b="1" dirty="0" err="1">
+                <a:latin typeface="Times New Roman" panose="02020603050405020304" pitchFamily="18" charset="0"/>
+                <a:cs typeface="Times New Roman" panose="02020603050405020304" pitchFamily="18" charset="0"/>
+              </a:rPr>
+              <a:t>шинглов</a:t>
+            </a:r>
+            <a:r>
               <a:rPr lang="ru-RU" sz="2100" b="1" dirty="0">
                 <a:latin typeface="Times New Roman" panose="02020603050405020304" pitchFamily="18" charset="0"/>
                 <a:cs typeface="Times New Roman" panose="02020603050405020304" pitchFamily="18" charset="0"/>
               </a:rPr>
-              <a:t> и </a:t>
-            </a:r>
-            <a:r>
-              <a:rPr lang="ru-RU" sz="2100" b="1" dirty="0" err="1">
-                <a:latin typeface="Times New Roman" panose="02020603050405020304" pitchFamily="18" charset="0"/>
-                <a:cs typeface="Times New Roman" panose="02020603050405020304" pitchFamily="18" charset="0"/>
-              </a:rPr>
-              <a:t>шинглов</a:t>
-            </a:r>
-            <a:r>
-              <a:rPr lang="ru-RU" sz="2100" b="1" dirty="0">
-                <a:latin typeface="Times New Roman" panose="02020603050405020304" pitchFamily="18" charset="0"/>
-                <a:cs typeface="Times New Roman" panose="02020603050405020304" pitchFamily="18" charset="0"/>
-              </a:rPr>
               <a:t>: </a:t>
             </a:r>
+            <a:endParaRPr lang="en-US" sz="2100" b="1" dirty="0">
+              <a:latin typeface="Times New Roman" panose="02020603050405020304" pitchFamily="18" charset="0"/>
+              <a:cs typeface="Times New Roman" panose="02020603050405020304" pitchFamily="18" charset="0"/>
+            </a:endParaRPr>
+          </a:p>
+          <a:p>
             <a:r>
               <a:rPr lang="ru-RU" sz="2100" dirty="0">
                 <a:latin typeface="Times New Roman" panose="02020603050405020304" pitchFamily="18" charset="0"/>
                 <a:cs typeface="Times New Roman" panose="02020603050405020304" pitchFamily="18" charset="0"/>
               </a:rPr>
-              <a:t>речевые обороты, имена собственные и пр.: «несмотря на то, что»</a:t>
-            </a:r>
+              <a:t>речевые обороты, имена собственные и пр.: </a:t>
+            </a:r>
+            <a:endParaRPr lang="en-US" sz="2100" dirty="0">
+              <a:latin typeface="Times New Roman" panose="02020603050405020304" pitchFamily="18" charset="0"/>
+              <a:cs typeface="Times New Roman" panose="02020603050405020304" pitchFamily="18" charset="0"/>
+            </a:endParaRPr>
           </a:p>
           <a:p>
             <a:r>
@@ -12650,7 +13226,16 @@
                 <a:latin typeface="Times New Roman" panose="02020603050405020304" pitchFamily="18" charset="0"/>
                 <a:cs typeface="Times New Roman" panose="02020603050405020304" pitchFamily="18" charset="0"/>
               </a:rPr>
-              <a:t>(L=5),«в свою </a:t>
+              <a:t>«несмотря на то, что»(L=5),</a:t>
+            </a:r>
+          </a:p>
+          <a:p>
+            <a:r>
+              <a:rPr lang="ru-RU" sz="2100" dirty="0">
+                <a:latin typeface="Times New Roman" panose="02020603050405020304" pitchFamily="18" charset="0"/>
+                <a:cs typeface="Times New Roman" panose="02020603050405020304" pitchFamily="18" charset="0"/>
+              </a:rPr>
+              <a:t>«в свою </a:t>
             </a:r>
             <a:r>
               <a:rPr lang="ru-RU" sz="2100" dirty="0" err="1">
@@ -12664,56 +13249,125 @@
                 <a:latin typeface="Times New Roman" panose="02020603050405020304" pitchFamily="18" charset="0"/>
                 <a:cs typeface="Times New Roman" panose="02020603050405020304" pitchFamily="18" charset="0"/>
               </a:rPr>
-              <a:t> не заметить того </a:t>
+              <a:t> не заметить того факта</a:t>
+            </a:r>
+            <a:r>
+              <a:rPr lang="en-US" sz="2100" dirty="0">
+                <a:latin typeface="Times New Roman" panose="02020603050405020304" pitchFamily="18" charset="0"/>
+                <a:cs typeface="Times New Roman" panose="02020603050405020304" pitchFamily="18" charset="0"/>
+              </a:rPr>
+              <a:t>,</a:t>
+            </a:r>
+            <a:r>
+              <a:rPr lang="ru-RU" sz="2100" dirty="0">
+                <a:latin typeface="Times New Roman" panose="02020603050405020304" pitchFamily="18" charset="0"/>
+                <a:cs typeface="Times New Roman" panose="02020603050405020304" pitchFamily="18" charset="0"/>
+              </a:rPr>
+              <a:t>что»(L=9),</a:t>
+            </a:r>
+          </a:p>
+          <a:p>
+            <a:r>
+              <a:rPr lang="ru-RU" sz="2100" dirty="0">
+                <a:latin typeface="Times New Roman" panose="02020603050405020304" pitchFamily="18" charset="0"/>
+                <a:cs typeface="Times New Roman" panose="02020603050405020304" pitchFamily="18" charset="0"/>
+              </a:rPr>
+              <a:t>«Северный Ледовитый океан»(L=3),</a:t>
+            </a:r>
+          </a:p>
+          <a:p>
+            <a:r>
+              <a:rPr lang="ru-RU" sz="2100" dirty="0">
+                <a:latin typeface="Times New Roman" panose="02020603050405020304" pitchFamily="18" charset="0"/>
+                <a:cs typeface="Times New Roman" panose="02020603050405020304" pitchFamily="18" charset="0"/>
+              </a:rPr>
+              <a:t>«Министерство образования и науки»(L=4). </a:t>
+            </a:r>
+          </a:p>
+          <a:p>
+            <a:r>
+              <a:rPr lang="ru-RU" sz="2100" dirty="0">
+                <a:latin typeface="Times New Roman" panose="02020603050405020304" pitchFamily="18" charset="0"/>
+                <a:cs typeface="Times New Roman" panose="02020603050405020304" pitchFamily="18" charset="0"/>
+              </a:rPr>
+              <a:t>Характерная величина – L – длина </a:t>
             </a:r>
             <a:r>
               <a:rPr lang="ru-RU" sz="2100" dirty="0" err="1">
                 <a:latin typeface="Times New Roman" panose="02020603050405020304" pitchFamily="18" charset="0"/>
                 <a:cs typeface="Times New Roman" panose="02020603050405020304" pitchFamily="18" charset="0"/>
               </a:rPr>
-              <a:t>факта,что</a:t>
+              <a:t>шингла</a:t>
+            </a:r>
+            <a:r>
+              <a:rPr lang="en-US" sz="2100" dirty="0">
+                <a:latin typeface="Times New Roman" panose="02020603050405020304" pitchFamily="18" charset="0"/>
+                <a:cs typeface="Times New Roman" panose="02020603050405020304" pitchFamily="18" charset="0"/>
+              </a:rPr>
+              <a:t> </a:t>
             </a:r>
             <a:r>
               <a:rPr lang="ru-RU" sz="2100" dirty="0">
                 <a:latin typeface="Times New Roman" panose="02020603050405020304" pitchFamily="18" charset="0"/>
                 <a:cs typeface="Times New Roman" panose="02020603050405020304" pitchFamily="18" charset="0"/>
               </a:rPr>
-              <a:t>»(L=9),«Северный Ледовитый океан»(L=3),«Министерство образования и науки»(L=4). Характерная величина – L – длина </a:t>
+              <a:t> в словах),при непоследовательном (по какому-либо другому закону) – «пассажами»(характеризуется законом деления текста на пассажи). Например</a:t>
+            </a:r>
+            <a:r>
+              <a:rPr lang="en-US" sz="2100" dirty="0">
+                <a:latin typeface="Times New Roman" panose="02020603050405020304" pitchFamily="18" charset="0"/>
+                <a:cs typeface="Times New Roman" panose="02020603050405020304" pitchFamily="18" charset="0"/>
+              </a:rPr>
+              <a:t>,</a:t>
+            </a:r>
+            <a:r>
+              <a:rPr lang="ru-RU" sz="2100" dirty="0">
+                <a:latin typeface="Times New Roman" panose="02020603050405020304" pitchFamily="18" charset="0"/>
+                <a:cs typeface="Times New Roman" panose="02020603050405020304" pitchFamily="18" charset="0"/>
+              </a:rPr>
+              <a:t>пусть</a:t>
+            </a:r>
+            <a:r>
+              <a:rPr lang="en-US" sz="2100" dirty="0">
+                <a:latin typeface="Times New Roman" panose="02020603050405020304" pitchFamily="18" charset="0"/>
+                <a:cs typeface="Times New Roman" panose="02020603050405020304" pitchFamily="18" charset="0"/>
+              </a:rPr>
+              <a:t> </a:t>
+            </a:r>
+            <a:r>
+              <a:rPr lang="ru-RU" sz="2100" dirty="0">
+                <a:latin typeface="Times New Roman" panose="02020603050405020304" pitchFamily="18" charset="0"/>
+                <a:cs typeface="Times New Roman" panose="02020603050405020304" pitchFamily="18" charset="0"/>
+              </a:rPr>
+              <a:t> существует фраза «</a:t>
             </a:r>
             <a:r>
               <a:rPr lang="ru-RU" sz="2100" dirty="0" err="1">
                 <a:latin typeface="Times New Roman" panose="02020603050405020304" pitchFamily="18" charset="0"/>
                 <a:cs typeface="Times New Roman" panose="02020603050405020304" pitchFamily="18" charset="0"/>
               </a:rPr>
-              <a:t>шингла</a:t>
+              <a:t>специалистов,которые</a:t>
             </a:r>
             <a:r>
               <a:rPr lang="ru-RU" sz="2100" dirty="0">
                 <a:latin typeface="Times New Roman" panose="02020603050405020304" pitchFamily="18" charset="0"/>
                 <a:cs typeface="Times New Roman" panose="02020603050405020304" pitchFamily="18" charset="0"/>
               </a:rPr>
-              <a:t> в словах),при непоследовательном (по какому-либо другому закону) – «пассажами»(характеризуется законом деления текста на пассажи). </a:t>
+              <a:t> занимаются </a:t>
             </a:r>
             <a:r>
               <a:rPr lang="ru-RU" sz="2100" dirty="0" err="1">
                 <a:latin typeface="Times New Roman" panose="02020603050405020304" pitchFamily="18" charset="0"/>
                 <a:cs typeface="Times New Roman" panose="02020603050405020304" pitchFamily="18" charset="0"/>
               </a:rPr>
-              <a:t>Например,пусть</a:t>
-            </a:r>
-            <a:r>
-              <a:rPr lang="ru-RU" sz="2100" dirty="0">
-                <a:latin typeface="Times New Roman" panose="02020603050405020304" pitchFamily="18" charset="0"/>
-                <a:cs typeface="Times New Roman" panose="02020603050405020304" pitchFamily="18" charset="0"/>
-              </a:rPr>
-              <a:t> существует фраза «специалистов, которые занимаются </a:t>
-            </a:r>
-            <a:r>
-              <a:rPr lang="ru-RU" sz="2100" dirty="0" err="1">
-                <a:latin typeface="Times New Roman" panose="02020603050405020304" pitchFamily="18" charset="0"/>
-                <a:cs typeface="Times New Roman" panose="02020603050405020304" pitchFamily="18" charset="0"/>
-              </a:rPr>
               <a:t>копирайтингом,называют</a:t>
+            </a:r>
+            <a:r>
+              <a:rPr lang="en-US" sz="2100" dirty="0">
+                <a:latin typeface="Times New Roman" panose="02020603050405020304" pitchFamily="18" charset="0"/>
+                <a:cs typeface="Times New Roman" panose="02020603050405020304" pitchFamily="18" charset="0"/>
+              </a:rPr>
+              <a:t> </a:t>
             </a:r>
             <a:r>
               <a:rPr lang="ru-RU" sz="2100" dirty="0">
@@ -13534,8 +14188,8 @@
         </p:nvSpPr>
         <p:spPr>
           <a:xfrm>
-            <a:off x="1155998" y="1749997"/>
-            <a:ext cx="6992936" cy="4500000"/>
+            <a:off x="1155999" y="1860438"/>
+            <a:ext cx="9250416" cy="1679003"/>
           </a:xfrm>
         </p:spPr>
         <p:txBody>
@@ -13547,6 +14201,9 @@
             </a:pPr>
             <a:r>
               <a:rPr lang="ru-RU" sz="2400" dirty="0">
+                <a:solidFill>
+                  <a:schemeClr val="tx1"/>
+                </a:solidFill>
                 <a:latin typeface="Times New Roman" panose="02020603050405020304" pitchFamily="18" charset="0"/>
                 <a:cs typeface="Times New Roman" panose="02020603050405020304" pitchFamily="18" charset="0"/>
               </a:rPr>
@@ -13554,6 +14211,9 @@
             </a:r>
             <a:r>
               <a:rPr lang="ru-RU" sz="2400" dirty="0" err="1">
+                <a:solidFill>
+                  <a:schemeClr val="tx1"/>
+                </a:solidFill>
                 <a:latin typeface="Times New Roman" panose="02020603050405020304" pitchFamily="18" charset="0"/>
                 <a:cs typeface="Times New Roman" panose="02020603050405020304" pitchFamily="18" charset="0"/>
               </a:rPr>
@@ -13561,13 +14221,19 @@
             </a:r>
             <a:r>
               <a:rPr lang="ru-RU" sz="2400" dirty="0">
-                <a:latin typeface="Times New Roman" panose="02020603050405020304" pitchFamily="18" charset="0"/>
-                <a:cs typeface="Times New Roman" panose="02020603050405020304" pitchFamily="18" charset="0"/>
-              </a:rPr>
-              <a:t> будет полностью подчеркнут красными линиями. Для этого необходимо **отключить автоматическую проверку на правописание в </a:t>
+                <a:solidFill>
+                  <a:schemeClr val="tx1"/>
+                </a:solidFill>
+                <a:latin typeface="Times New Roman" panose="02020603050405020304" pitchFamily="18" charset="0"/>
+                <a:cs typeface="Times New Roman" panose="02020603050405020304" pitchFamily="18" charset="0"/>
+              </a:rPr>
+              <a:t> будет полностью подчеркнут красными линиями. Для этого необходимо отключить автоматическую проверку на правописание в </a:t>
             </a:r>
             <a:r>
               <a:rPr lang="ru-RU" sz="2400" dirty="0" err="1">
+                <a:solidFill>
+                  <a:schemeClr val="tx1"/>
+                </a:solidFill>
                 <a:latin typeface="Times New Roman" panose="02020603050405020304" pitchFamily="18" charset="0"/>
                 <a:cs typeface="Times New Roman" panose="02020603050405020304" pitchFamily="18" charset="0"/>
               </a:rPr>
@@ -13575,6 +14241,9 @@
             </a:r>
             <a:r>
               <a:rPr lang="ru-RU" sz="2400" dirty="0">
+                <a:solidFill>
+                  <a:schemeClr val="tx1"/>
+                </a:solidFill>
                 <a:latin typeface="Times New Roman" panose="02020603050405020304" pitchFamily="18" charset="0"/>
                 <a:cs typeface="Times New Roman" panose="02020603050405020304" pitchFamily="18" charset="0"/>
               </a:rPr>
@@ -13637,7 +14306,7 @@
         </p:nvSpPr>
         <p:spPr>
           <a:xfrm>
-            <a:off x="556390" y="153088"/>
+            <a:off x="1155998" y="146098"/>
             <a:ext cx="9250417" cy="923330"/>
           </a:xfrm>
           <a:prstGeom prst="rect">
@@ -13702,7 +14371,7 @@
         </p:nvSpPr>
         <p:spPr bwMode="auto">
           <a:xfrm>
-            <a:off x="556390" y="1253955"/>
+            <a:off x="1155998" y="1196068"/>
             <a:ext cx="8872814" cy="461665"/>
           </a:xfrm>
           <a:prstGeom prst="rect">
@@ -13899,9 +14568,6 @@
                 <a:ln>
                   <a:noFill/>
                 </a:ln>
-                <a:solidFill>
-                  <a:srgbClr val="333333"/>
-                </a:solidFill>
                 <a:effectLst/>
                 <a:latin typeface="Times New Roman" panose="02020603050405020304" pitchFamily="18" charset="0"/>
                 <a:cs typeface="Times New Roman" panose="02020603050405020304" pitchFamily="18" charset="0"/>
@@ -13913,9 +14579,6 @@
                 <a:ln>
                   <a:noFill/>
                 </a:ln>
-                <a:solidFill>
-                  <a:srgbClr val="333333"/>
-                </a:solidFill>
                 <a:effectLst/>
                 <a:latin typeface="Times New Roman" panose="02020603050405020304" pitchFamily="18" charset="0"/>
                 <a:cs typeface="Times New Roman" panose="02020603050405020304" pitchFamily="18" charset="0"/>
@@ -13924,9 +14587,6 @@
             </a:r>
             <a:r>
               <a:rPr lang="kk-KZ" altLang="ru-KZ" sz="2400" dirty="0">
-                <a:solidFill>
-                  <a:srgbClr val="333333"/>
-                </a:solidFill>
                 <a:latin typeface="Times New Roman" panose="02020603050405020304" pitchFamily="18" charset="0"/>
                 <a:cs typeface="Times New Roman" panose="02020603050405020304" pitchFamily="18" charset="0"/>
               </a:rPr>
@@ -13937,9 +14597,6 @@
                 <a:ln>
                   <a:noFill/>
                 </a:ln>
-                <a:solidFill>
-                  <a:srgbClr val="333333"/>
-                </a:solidFill>
                 <a:effectLst/>
                 <a:latin typeface="Times New Roman" panose="02020603050405020304" pitchFamily="18" charset="0"/>
                 <a:cs typeface="Times New Roman" panose="02020603050405020304" pitchFamily="18" charset="0"/>
@@ -13948,9 +14605,6 @@
             </a:r>
             <a:r>
               <a:rPr lang="kk-KZ" altLang="ru-KZ" sz="2400" dirty="0">
-                <a:solidFill>
-                  <a:srgbClr val="333333"/>
-                </a:solidFill>
                 <a:latin typeface="Times New Roman" panose="02020603050405020304" pitchFamily="18" charset="0"/>
                 <a:cs typeface="Times New Roman" panose="02020603050405020304" pitchFamily="18" charset="0"/>
               </a:rPr>
@@ -13961,26 +14615,12 @@
                 <a:ln>
                   <a:noFill/>
                 </a:ln>
-                <a:solidFill>
-                  <a:srgbClr val="333333"/>
-                </a:solidFill>
                 <a:effectLst/>
                 <a:latin typeface="Times New Roman" panose="02020603050405020304" pitchFamily="18" charset="0"/>
                 <a:cs typeface="Times New Roman" panose="02020603050405020304" pitchFamily="18" charset="0"/>
               </a:rPr>
               <a:t> </a:t>
             </a:r>
-            <a:endParaRPr kumimoji="0" lang="ru-KZ" altLang="ru-KZ" sz="2400" b="0" i="0" u="none" strike="noStrike" cap="none" normalizeH="0" baseline="0" dirty="0">
-              <a:ln>
-                <a:noFill/>
-              </a:ln>
-              <a:solidFill>
-                <a:schemeClr val="tx1"/>
-              </a:solidFill>
-              <a:effectLst/>
-              <a:latin typeface="Times New Roman" panose="02020603050405020304" pitchFamily="18" charset="0"/>
-              <a:cs typeface="Times New Roman" panose="02020603050405020304" pitchFamily="18" charset="0"/>
-            </a:endParaRPr>
           </a:p>
         </p:txBody>
       </p:sp>
@@ -14038,6 +14678,66 @@
           <a:xfrm>
             <a:off x="1" y="3613527"/>
             <a:ext cx="5516380" cy="3208474"/>
+          </a:xfrm>
+          <a:prstGeom prst="rect">
+            <a:avLst/>
+          </a:prstGeom>
+        </p:spPr>
+      </p:pic>
+      <p:pic>
+        <p:nvPicPr>
+          <p:cNvPr id="2" name="Рисунок 1">
+            <a:extLst>
+              <a:ext uri="{FF2B5EF4-FFF2-40B4-BE49-F238E27FC236}">
+                <a16:creationId xmlns:a16="http://schemas.microsoft.com/office/drawing/2014/main" id="{2A3CE1C0-ABBD-4BB2-9176-DCC5822A16DF}"/>
+              </a:ext>
+            </a:extLst>
+          </p:cNvPr>
+          <p:cNvPicPr>
+            <a:picLocks noChangeAspect="1"/>
+          </p:cNvPicPr>
+          <p:nvPr/>
+        </p:nvPicPr>
+        <p:blipFill>
+          <a:blip r:embed="rId4"/>
+          <a:stretch>
+            <a:fillRect/>
+          </a:stretch>
+        </p:blipFill>
+        <p:spPr>
+          <a:xfrm rot="20692814">
+            <a:off x="124726" y="153046"/>
+            <a:ext cx="840882" cy="1067955"/>
+          </a:xfrm>
+          <a:prstGeom prst="rect">
+            <a:avLst/>
+          </a:prstGeom>
+        </p:spPr>
+      </p:pic>
+      <p:pic>
+        <p:nvPicPr>
+          <p:cNvPr id="3" name="Рисунок 2">
+            <a:extLst>
+              <a:ext uri="{FF2B5EF4-FFF2-40B4-BE49-F238E27FC236}">
+                <a16:creationId xmlns:a16="http://schemas.microsoft.com/office/drawing/2014/main" id="{29D2184B-9DFE-4D3A-A518-804C364D43F6}"/>
+              </a:ext>
+            </a:extLst>
+          </p:cNvPr>
+          <p:cNvPicPr>
+            <a:picLocks noChangeAspect="1"/>
+          </p:cNvPicPr>
+          <p:nvPr/>
+        </p:nvPicPr>
+        <p:blipFill>
+          <a:blip r:embed="rId5"/>
+          <a:stretch>
+            <a:fillRect/>
+          </a:stretch>
+        </p:blipFill>
+        <p:spPr>
+          <a:xfrm>
+            <a:off x="10643412" y="36000"/>
+            <a:ext cx="1249788" cy="1249788"/>
           </a:xfrm>
           <a:prstGeom prst="rect">
             <a:avLst/>
@@ -14063,7 +14763,7 @@
     <p:bg>
       <p:bgPr>
         <a:solidFill>
-          <a:srgbClr val="CCFF33"/>
+          <a:schemeClr val="bg1"/>
         </a:solidFill>
         <a:effectLst/>
       </p:bgPr>
@@ -14100,8 +14800,8 @@
         </p:nvSpPr>
         <p:spPr>
           <a:xfrm>
-            <a:off x="360000" y="1183997"/>
-            <a:ext cx="6992937" cy="360362"/>
+            <a:off x="1315964" y="1251340"/>
+            <a:ext cx="7260000" cy="360362"/>
           </a:xfrm>
         </p:spPr>
         <p:txBody>
@@ -14113,7 +14813,7 @@
                 <a:latin typeface="Times New Roman" panose="02020603050405020304" pitchFamily="18" charset="0"/>
                 <a:cs typeface="Times New Roman" panose="02020603050405020304" pitchFamily="18" charset="0"/>
               </a:rPr>
-              <a:t>2.</a:t>
+              <a:t> 2.</a:t>
             </a:r>
             <a:r>
               <a:rPr lang="kk-KZ" sz="2400" b="1" dirty="0">
@@ -14147,8 +14847,8 @@
         </p:nvSpPr>
         <p:spPr>
           <a:xfrm>
-            <a:off x="360000" y="1611702"/>
-            <a:ext cx="9593469" cy="2053063"/>
+            <a:off x="1315964" y="1611702"/>
+            <a:ext cx="9593469" cy="1748709"/>
           </a:xfrm>
         </p:spPr>
         <p:txBody>
@@ -14160,6 +14860,9 @@
             </a:pPr>
             <a:r>
               <a:rPr lang="ru-RU" sz="2400" dirty="0">
+                <a:solidFill>
+                  <a:schemeClr val="tx1"/>
+                </a:solidFill>
                 <a:latin typeface="Times New Roman" panose="02020603050405020304" pitchFamily="18" charset="0"/>
                 <a:cs typeface="Times New Roman" panose="02020603050405020304" pitchFamily="18" charset="0"/>
               </a:rPr>
@@ -14167,6 +14870,9 @@
             </a:r>
             <a:r>
               <a:rPr lang="ru-RU" sz="2400" dirty="0" err="1">
+                <a:solidFill>
+                  <a:schemeClr val="tx1"/>
+                </a:solidFill>
                 <a:latin typeface="Times New Roman" panose="02020603050405020304" pitchFamily="18" charset="0"/>
                 <a:cs typeface="Times New Roman" panose="02020603050405020304" pitchFamily="18" charset="0"/>
               </a:rPr>
@@ -14174,6 +14880,9 @@
             </a:r>
             <a:r>
               <a:rPr lang="ru-RU" sz="2400" dirty="0">
+                <a:solidFill>
+                  <a:schemeClr val="tx1"/>
+                </a:solidFill>
                 <a:latin typeface="Times New Roman" panose="02020603050405020304" pitchFamily="18" charset="0"/>
                 <a:cs typeface="Times New Roman" panose="02020603050405020304" pitchFamily="18" charset="0"/>
               </a:rPr>
@@ -14181,6 +14890,9 @@
             </a:r>
             <a:r>
               <a:rPr lang="ru-RU" sz="2400" dirty="0" err="1">
+                <a:solidFill>
+                  <a:schemeClr val="tx1"/>
+                </a:solidFill>
                 <a:latin typeface="Times New Roman" panose="02020603050405020304" pitchFamily="18" charset="0"/>
                 <a:cs typeface="Times New Roman" panose="02020603050405020304" pitchFamily="18" charset="0"/>
               </a:rPr>
@@ -14188,6 +14900,9 @@
             </a:r>
             <a:r>
               <a:rPr lang="ru-RU" sz="2400" dirty="0">
+                <a:solidFill>
+                  <a:schemeClr val="tx1"/>
+                </a:solidFill>
                 <a:latin typeface="Times New Roman" panose="02020603050405020304" pitchFamily="18" charset="0"/>
                 <a:cs typeface="Times New Roman" panose="02020603050405020304" pitchFamily="18" charset="0"/>
               </a:rPr>
@@ -14195,6 +14910,9 @@
             </a:r>
             <a:r>
               <a:rPr lang="ru-RU" sz="2400" dirty="0" err="1">
+                <a:solidFill>
+                  <a:schemeClr val="tx1"/>
+                </a:solidFill>
                 <a:latin typeface="Times New Roman" panose="02020603050405020304" pitchFamily="18" charset="0"/>
                 <a:cs typeface="Times New Roman" panose="02020603050405020304" pitchFamily="18" charset="0"/>
               </a:rPr>
@@ -14202,10 +14920,20 @@
             </a:r>
             <a:r>
               <a:rPr lang="ru-RU" sz="2400" dirty="0">
-                <a:latin typeface="Times New Roman" panose="02020603050405020304" pitchFamily="18" charset="0"/>
-                <a:cs typeface="Times New Roman" panose="02020603050405020304" pitchFamily="18" charset="0"/>
-              </a:rPr>
-              <a:t> — это программа, которая дает возможность сделать из одного исходного текста большое количество одинаковых по смыслу текстов, которые написаны разными словами. </a:t>
+                <a:solidFill>
+                  <a:schemeClr val="tx1"/>
+                </a:solidFill>
+                <a:latin typeface="Times New Roman" panose="02020603050405020304" pitchFamily="18" charset="0"/>
+                <a:cs typeface="Times New Roman" panose="02020603050405020304" pitchFamily="18" charset="0"/>
+              </a:rPr>
+              <a:t> — это программа, которая дает возможность сделать из одного исходного текста большое количество одинаковых по смыслу текстов, которые написаны разными словами.</a:t>
+            </a:r>
+            <a:r>
+              <a:rPr lang="ru-RU" sz="2400" dirty="0">
+                <a:latin typeface="Times New Roman" panose="02020603050405020304" pitchFamily="18" charset="0"/>
+                <a:cs typeface="Times New Roman" panose="02020603050405020304" pitchFamily="18" charset="0"/>
+              </a:rPr>
+              <a:t> </a:t>
             </a:r>
             <a:endParaRPr lang="ru-KZ" sz="2400" dirty="0">
               <a:latin typeface="Times New Roman" panose="02020603050405020304" pitchFamily="18" charset="0"/>
@@ -14267,7 +14995,7 @@
         </p:blipFill>
         <p:spPr>
           <a:xfrm>
-            <a:off x="360000" y="169733"/>
+            <a:off x="1315964" y="169733"/>
             <a:ext cx="9266723" cy="938865"/>
           </a:xfrm>
           <a:prstGeom prst="rect">
@@ -14297,8 +15025,68 @@
         </p:blipFill>
         <p:spPr>
           <a:xfrm>
-            <a:off x="360001" y="3360411"/>
+            <a:off x="1315965" y="3360411"/>
             <a:ext cx="9266722" cy="3223900"/>
+          </a:xfrm>
+          <a:prstGeom prst="rect">
+            <a:avLst/>
+          </a:prstGeom>
+        </p:spPr>
+      </p:pic>
+      <p:pic>
+        <p:nvPicPr>
+          <p:cNvPr id="2" name="Рисунок 1">
+            <a:extLst>
+              <a:ext uri="{FF2B5EF4-FFF2-40B4-BE49-F238E27FC236}">
+                <a16:creationId xmlns:a16="http://schemas.microsoft.com/office/drawing/2014/main" id="{5A0B7C10-85EA-4C35-BD1E-78735C31082B}"/>
+              </a:ext>
+            </a:extLst>
+          </p:cNvPr>
+          <p:cNvPicPr>
+            <a:picLocks noChangeAspect="1"/>
+          </p:cNvPicPr>
+          <p:nvPr/>
+        </p:nvPicPr>
+        <p:blipFill>
+          <a:blip r:embed="rId4"/>
+          <a:stretch>
+            <a:fillRect/>
+          </a:stretch>
+        </p:blipFill>
+        <p:spPr>
+          <a:xfrm rot="21419490">
+            <a:off x="29914" y="152081"/>
+            <a:ext cx="1164437" cy="1170533"/>
+          </a:xfrm>
+          <a:prstGeom prst="rect">
+            <a:avLst/>
+          </a:prstGeom>
+        </p:spPr>
+      </p:pic>
+      <p:pic>
+        <p:nvPicPr>
+          <p:cNvPr id="5" name="Рисунок 4">
+            <a:extLst>
+              <a:ext uri="{FF2B5EF4-FFF2-40B4-BE49-F238E27FC236}">
+                <a16:creationId xmlns:a16="http://schemas.microsoft.com/office/drawing/2014/main" id="{33649D50-1A0E-44F9-B7D7-334C361111BB}"/>
+              </a:ext>
+            </a:extLst>
+          </p:cNvPr>
+          <p:cNvPicPr>
+            <a:picLocks noChangeAspect="1"/>
+          </p:cNvPicPr>
+          <p:nvPr/>
+        </p:nvPicPr>
+        <p:blipFill>
+          <a:blip r:embed="rId5"/>
+          <a:stretch>
+            <a:fillRect/>
+          </a:stretch>
+        </p:blipFill>
+        <p:spPr>
+          <a:xfrm>
+            <a:off x="10643412" y="294571"/>
+            <a:ext cx="1249788" cy="1249788"/>
           </a:xfrm>
           <a:prstGeom prst="rect">
             <a:avLst/>
@@ -14361,8 +15149,8 @@
         </p:nvSpPr>
         <p:spPr>
           <a:xfrm>
-            <a:off x="1099643" y="1158286"/>
-            <a:ext cx="6992937" cy="360362"/>
+            <a:off x="825910" y="1256776"/>
+            <a:ext cx="7134989" cy="360362"/>
           </a:xfrm>
         </p:spPr>
         <p:txBody>
@@ -14414,6 +15202,9 @@
             </a:pPr>
             <a:r>
               <a:rPr lang="ru-RU" sz="2400" dirty="0">
+                <a:solidFill>
+                  <a:schemeClr val="tx1"/>
+                </a:solidFill>
                 <a:latin typeface="Times New Roman" panose="02020603050405020304" pitchFamily="18" charset="0"/>
                 <a:cs typeface="Times New Roman" panose="02020603050405020304" pitchFamily="18" charset="0"/>
               </a:rPr>
@@ -14421,6 +15212,9 @@
             </a:r>
             <a:r>
               <a:rPr lang="ru-RU" sz="2400" dirty="0" err="1">
+                <a:solidFill>
+                  <a:schemeClr val="tx1"/>
+                </a:solidFill>
                 <a:latin typeface="Times New Roman" panose="02020603050405020304" pitchFamily="18" charset="0"/>
                 <a:cs typeface="Times New Roman" panose="02020603050405020304" pitchFamily="18" charset="0"/>
               </a:rPr>
@@ -14428,6 +15222,9 @@
             </a:r>
             <a:r>
               <a:rPr lang="ru-RU" sz="2400" dirty="0">
+                <a:solidFill>
+                  <a:schemeClr val="tx1"/>
+                </a:solidFill>
                 <a:latin typeface="Times New Roman" panose="02020603050405020304" pitchFamily="18" charset="0"/>
                 <a:cs typeface="Times New Roman" panose="02020603050405020304" pitchFamily="18" charset="0"/>
               </a:rPr>
@@ -14440,12 +15237,18 @@
             </a:pPr>
             <a:r>
               <a:rPr lang="ru-RU" sz="2400" dirty="0">
+                <a:solidFill>
+                  <a:schemeClr val="tx1"/>
+                </a:solidFill>
                 <a:latin typeface="Times New Roman" panose="02020603050405020304" pitchFamily="18" charset="0"/>
                 <a:cs typeface="Times New Roman" panose="02020603050405020304" pitchFamily="18" charset="0"/>
               </a:rPr>
               <a:t>Итак, в документе MS WORD выставляете автоматический перенос слов. Как это сделать, посмотрите на картинке ниже:</a:t>
             </a:r>
             <a:endParaRPr lang="ru-KZ" sz="2400" dirty="0">
+              <a:solidFill>
+                <a:schemeClr val="tx1"/>
+              </a:solidFill>
               <a:latin typeface="Times New Roman" panose="02020603050405020304" pitchFamily="18" charset="0"/>
               <a:cs typeface="Times New Roman" panose="02020603050405020304" pitchFamily="18" charset="0"/>
             </a:endParaRPr>
@@ -14505,7 +15308,7 @@
         </p:blipFill>
         <p:spPr>
           <a:xfrm>
-            <a:off x="967962" y="82271"/>
+            <a:off x="1231199" y="171165"/>
             <a:ext cx="9266723" cy="938865"/>
           </a:xfrm>
           <a:prstGeom prst="rect">
@@ -14535,8 +15338,68 @@
         </p:blipFill>
         <p:spPr>
           <a:xfrm>
-            <a:off x="5756223" y="1790152"/>
+            <a:off x="5756223" y="1910630"/>
             <a:ext cx="5838177" cy="4041022"/>
+          </a:xfrm>
+          <a:prstGeom prst="rect">
+            <a:avLst/>
+          </a:prstGeom>
+        </p:spPr>
+      </p:pic>
+      <p:pic>
+        <p:nvPicPr>
+          <p:cNvPr id="2" name="Рисунок 1">
+            <a:extLst>
+              <a:ext uri="{FF2B5EF4-FFF2-40B4-BE49-F238E27FC236}">
+                <a16:creationId xmlns:a16="http://schemas.microsoft.com/office/drawing/2014/main" id="{68092B13-FFA5-49AC-9235-011C7903B528}"/>
+              </a:ext>
+            </a:extLst>
+          </p:cNvPr>
+          <p:cNvPicPr>
+            <a:picLocks noChangeAspect="1"/>
+          </p:cNvPicPr>
+          <p:nvPr/>
+        </p:nvPicPr>
+        <p:blipFill>
+          <a:blip r:embed="rId4"/>
+          <a:stretch>
+            <a:fillRect/>
+          </a:stretch>
+        </p:blipFill>
+        <p:spPr>
+          <a:xfrm rot="21001590">
+            <a:off x="92566" y="174433"/>
+            <a:ext cx="1164437" cy="1170533"/>
+          </a:xfrm>
+          <a:prstGeom prst="rect">
+            <a:avLst/>
+          </a:prstGeom>
+        </p:spPr>
+      </p:pic>
+      <p:pic>
+        <p:nvPicPr>
+          <p:cNvPr id="5" name="Рисунок 4">
+            <a:extLst>
+              <a:ext uri="{FF2B5EF4-FFF2-40B4-BE49-F238E27FC236}">
+                <a16:creationId xmlns:a16="http://schemas.microsoft.com/office/drawing/2014/main" id="{4E929487-1B4A-4AC5-BBB9-C854D9CC7E12}"/>
+              </a:ext>
+            </a:extLst>
+          </p:cNvPr>
+          <p:cNvPicPr>
+            <a:picLocks noChangeAspect="1"/>
+          </p:cNvPicPr>
+          <p:nvPr/>
+        </p:nvPicPr>
+        <p:blipFill>
+          <a:blip r:embed="rId5"/>
+          <a:stretch>
+            <a:fillRect/>
+          </a:stretch>
+        </p:blipFill>
+        <p:spPr>
+          <a:xfrm>
+            <a:off x="10643412" y="187169"/>
+            <a:ext cx="1249788" cy="1249788"/>
           </a:xfrm>
           <a:prstGeom prst="rect">
             <a:avLst/>
